--- a/03 설계/Class 설계서_4조_A4.pptx
+++ b/03 설계/Class 설계서_4조_A4.pptx
@@ -3180,7 +3180,7 @@
             <p:ph idx="1"/>
             <p:extLst>
               <p:ext uri="{D42A27DB-BD31-4B8C-83A1-F6EECF244321}">
-                <p14:modId xmlns:p14="http://schemas.microsoft.com/office/powerpoint/2010/main" val="1610856358"/>
+                <p14:modId xmlns:p14="http://schemas.microsoft.com/office/powerpoint/2010/main" val="1916494960"/>
               </p:ext>
             </p:extLst>
           </p:nvPr>
@@ -3456,15 +3456,22 @@
                     <a:p>
                       <a:pPr algn="ctr" latinLnBrk="1"/>
                       <a:r>
-                        <a:rPr lang="ko-KR" altLang="en-US" sz="1200" b="0" dirty="0">
+                        <a:rPr lang="ko-KR" altLang="en-US" sz="1200" b="0">
                           <a:solidFill>
                             <a:schemeClr val="tx1"/>
                           </a:solidFill>
                           <a:latin typeface="맑은 고딕" pitchFamily="50" charset="-127"/>
                           <a:ea typeface="맑은 고딕" pitchFamily="50" charset="-127"/>
                         </a:rPr>
-                        <a:t>강 민석</a:t>
+                        <a:t>박 진성</a:t>
                       </a:r>
+                      <a:endParaRPr lang="ko-KR" altLang="en-US" sz="1200" b="0" dirty="0">
+                        <a:solidFill>
+                          <a:schemeClr val="tx1"/>
+                        </a:solidFill>
+                        <a:latin typeface="맑은 고딕" pitchFamily="50" charset="-127"/>
+                        <a:ea typeface="맑은 고딕" pitchFamily="50" charset="-127"/>
+                      </a:endParaRPr>
                     </a:p>
                   </a:txBody>
                   <a:tcPr anchor="ctr">
